--- a/Mentoria.pptx
+++ b/Mentoria.pptx
@@ -1640,15 +1640,11 @@
             </a:pPr>
             <a:r>
               <a:rPr lang="es-ES"/>
-              <a:t>se observan que las las palabras más relevantes </a:t>
-            </a:r>
-            <a:r>
-              <a:rPr b="1" lang="es-ES" sz="1600"/>
-              <a:t>coinciden</a:t>
+              <a:t>Luego del filtrado por stops words observamos que las palabras más frecuentes ahora sí</a:t>
             </a:r>
             <a:r>
               <a:rPr lang="es-ES"/>
-              <a:t> con las más frecuentes</a:t>
+              <a:t> reflejan el contenido del documento.</a:t>
             </a:r>
             <a:endParaRPr/>
           </a:p>
@@ -1792,11 +1788,60 @@
             </a:pPr>
             <a:r>
               <a:rPr lang="es-ES"/>
-              <a:t>Se puede ver </a:t>
-            </a:r>
-            <a:r>
-              <a:rPr b="1" lang="es-ES" sz="1600"/>
-              <a:t>reflejan el sentido del documento</a:t>
+              <a:t>A partir de estos resultados decidimos utilizar el parámetro TF-IDF (</a:t>
+            </a:r>
+            <a:r>
+              <a:rPr i="1" lang="es-ES">
+                <a:solidFill>
+                  <a:srgbClr val="202122"/>
+                </a:solidFill>
+              </a:rPr>
+              <a:t>Term frequency – Inverse document frequency</a:t>
+            </a:r>
+            <a:r>
+              <a:rPr lang="es-ES"/>
+              <a:t>), que </a:t>
+            </a:r>
+            <a:r>
+              <a:rPr lang="es-ES">
+                <a:solidFill>
+                  <a:srgbClr val="202122"/>
+                </a:solidFill>
+                <a:highlight>
+                  <a:srgbClr val="FFFFFF"/>
+                </a:highlight>
+              </a:rPr>
+              <a:t>es una medida numérica que expresa cuán relevante es una palabra para un documento en una colección, para encontrar las palabras más relevantes en cada documento.</a:t>
+            </a:r>
+            <a:endParaRPr/>
+          </a:p>
+          <a:p>
+            <a:pPr indent="0" lvl="0" marL="0" rtl="0" algn="l">
+              <a:spcBef>
+                <a:spcPts val="0"/>
+              </a:spcBef>
+              <a:spcAft>
+                <a:spcPts val="0"/>
+              </a:spcAft>
+              <a:buNone/>
+            </a:pPr>
+            <a:r>
+              <a:t/>
+            </a:r>
+            <a:endParaRPr/>
+          </a:p>
+          <a:p>
+            <a:pPr indent="0" lvl="0" marL="0" rtl="0" algn="l">
+              <a:spcBef>
+                <a:spcPts val="0"/>
+              </a:spcBef>
+              <a:spcAft>
+                <a:spcPts val="0"/>
+              </a:spcAft>
+              <a:buNone/>
+            </a:pPr>
+            <a:r>
+              <a:t/>
             </a:r>
             <a:endParaRPr b="1" sz="1600"/>
           </a:p>
@@ -1954,27 +1999,11 @@
             </a:pPr>
             <a:r>
               <a:rPr lang="es-ES"/>
-              <a:t>Con esto</a:t>
-            </a:r>
-            <a:r>
-              <a:rPr b="1" lang="es-ES" sz="1500"/>
-              <a:t> </a:t>
-            </a:r>
-            <a:r>
-              <a:rPr b="1" lang="es-ES" sz="1600"/>
-              <a:t>intentamos</a:t>
+              <a:t>Luego intentamos generar clases con esas palabras relevantes e implementar técnicas de aprendizaje supervisado,  </a:t>
             </a:r>
             <a:r>
               <a:rPr lang="es-ES"/>
-              <a:t> generar clases para hacer </a:t>
-            </a:r>
-            <a:r>
-              <a:rPr b="1" lang="es-ES" sz="1600"/>
-              <a:t>aprendizaje supervisado</a:t>
-            </a:r>
-            <a:r>
-              <a:rPr lang="es-ES"/>
-              <a:t>, </a:t>
+              <a:t>el resultado no fue bueno (Accuracy 61%) porque ésta no es una problemática para ser abordada con técnicas de este tipo. </a:t>
             </a:r>
             <a:endParaRPr/>
           </a:p>
@@ -2004,51 +2033,7 @@
               <a:buNone/>
             </a:pPr>
             <a:r>
-              <a:rPr b="1" lang="es-ES" sz="1500"/>
-              <a:t>generando clases</a:t>
-            </a:r>
-            <a:r>
-              <a:rPr lang="es-ES"/>
-              <a:t> con las palabras más relevantes </a:t>
-            </a:r>
-            <a:endParaRPr/>
-          </a:p>
-          <a:p>
-            <a:pPr indent="0" lvl="0" marL="0" rtl="0" algn="l">
-              <a:spcBef>
-                <a:spcPts val="0"/>
-              </a:spcBef>
-              <a:spcAft>
-                <a:spcPts val="0"/>
-              </a:spcAft>
-              <a:buNone/>
-            </a:pPr>
-            <a:r>
               <a:t/>
-            </a:r>
-            <a:endParaRPr/>
-          </a:p>
-          <a:p>
-            <a:pPr indent="0" lvl="0" marL="0" rtl="0" algn="l">
-              <a:spcBef>
-                <a:spcPts val="0"/>
-              </a:spcBef>
-              <a:spcAft>
-                <a:spcPts val="0"/>
-              </a:spcAft>
-              <a:buNone/>
-            </a:pPr>
-            <a:r>
-              <a:rPr lang="es-ES"/>
-              <a:t>el resultado no fue bueno (</a:t>
-            </a:r>
-            <a:r>
-              <a:rPr b="1" lang="es-ES" sz="1600"/>
-              <a:t>Accuracy 61%</a:t>
-            </a:r>
-            <a:r>
-              <a:rPr lang="es-ES"/>
-              <a:t>) porque había “muchas clases” </a:t>
             </a:r>
             <a:endParaRPr/>
           </a:p>
@@ -2815,6 +2800,268 @@
               <a:buNone/>
             </a:pPr>
             <a:r>
+              <a:rPr b="1" lang="es-ES" sz="1600"/>
+              <a:t>Conclusiones</a:t>
+            </a:r>
+            <a:endParaRPr b="1" sz="1600"/>
+          </a:p>
+          <a:p>
+            <a:pPr indent="0" lvl="0" marL="0" rtl="0" algn="l">
+              <a:spcBef>
+                <a:spcPts val="0"/>
+              </a:spcBef>
+              <a:spcAft>
+                <a:spcPts val="0"/>
+              </a:spcAft>
+              <a:buNone/>
+            </a:pPr>
+            <a:r>
+              <a:t/>
+            </a:r>
+            <a:endParaRPr/>
+          </a:p>
+          <a:p>
+            <a:pPr indent="0" lvl="0" marL="0" rtl="0" algn="l">
+              <a:spcBef>
+                <a:spcPts val="0"/>
+              </a:spcBef>
+              <a:spcAft>
+                <a:spcPts val="0"/>
+              </a:spcAft>
+              <a:buNone/>
+            </a:pPr>
+            <a:r>
+              <a:rPr lang="es-ES"/>
+              <a:t>Observamos que:</a:t>
+            </a:r>
+            <a:endParaRPr/>
+          </a:p>
+          <a:p>
+            <a:pPr indent="0" lvl="0" marL="0" rtl="0" algn="l">
+              <a:spcBef>
+                <a:spcPts val="0"/>
+              </a:spcBef>
+              <a:spcAft>
+                <a:spcPts val="0"/>
+              </a:spcAft>
+              <a:buNone/>
+            </a:pPr>
+            <a:r>
+              <a:t/>
+            </a:r>
+            <a:endParaRPr/>
+          </a:p>
+          <a:p>
+            <a:pPr indent="-304800" lvl="0" marL="457200" rtl="0" algn="just">
+              <a:spcBef>
+                <a:spcPts val="0"/>
+              </a:spcBef>
+              <a:spcAft>
+                <a:spcPts val="0"/>
+              </a:spcAft>
+              <a:buClr>
+                <a:srgbClr val="000000"/>
+              </a:buClr>
+              <a:buSzPts val="1200"/>
+              <a:buFont typeface="Calibri"/>
+              <a:buChar char="●"/>
+            </a:pPr>
+            <a:r>
+              <a:rPr lang="es-ES">
+                <a:solidFill>
+                  <a:srgbClr val="000000"/>
+                </a:solidFill>
+              </a:rPr>
+              <a:t>Es un p</a:t>
+            </a:r>
+            <a:r>
+              <a:rPr lang="es-ES">
+                <a:solidFill>
+                  <a:srgbClr val="000000"/>
+                </a:solidFill>
+              </a:rPr>
+              <a:t>roceso iterativo, a medida avanzamos nos dabamos cuenta que debíamos repensar los pasos anteriores </a:t>
+            </a:r>
+            <a:endParaRPr>
+              <a:solidFill>
+                <a:srgbClr val="000000"/>
+              </a:solidFill>
+            </a:endParaRPr>
+          </a:p>
+          <a:p>
+            <a:pPr indent="-304800" lvl="0" marL="457200" rtl="0" algn="just">
+              <a:spcBef>
+                <a:spcPts val="1000"/>
+              </a:spcBef>
+              <a:spcAft>
+                <a:spcPts val="0"/>
+              </a:spcAft>
+              <a:buClr>
+                <a:srgbClr val="000000"/>
+              </a:buClr>
+              <a:buSzPts val="1200"/>
+              <a:buChar char="●"/>
+            </a:pPr>
+            <a:r>
+              <a:rPr lang="es-ES">
+                <a:solidFill>
+                  <a:srgbClr val="000000"/>
+                </a:solidFill>
+              </a:rPr>
+              <a:t>IDF </a:t>
+            </a:r>
+            <a:r>
+              <a:rPr i="1" lang="es-ES">
+                <a:solidFill>
+                  <a:srgbClr val="000000"/>
+                </a:solidFill>
+              </a:rPr>
+              <a:t>(Inverse document frequency)</a:t>
+            </a:r>
+            <a:r>
+              <a:rPr lang="es-ES">
+                <a:solidFill>
+                  <a:srgbClr val="000000"/>
+                </a:solidFill>
+              </a:rPr>
+              <a:t> es un buen método para encontrar stop words propias de la temática</a:t>
+            </a:r>
+            <a:endParaRPr>
+              <a:solidFill>
+                <a:srgbClr val="000000"/>
+              </a:solidFill>
+            </a:endParaRPr>
+          </a:p>
+          <a:p>
+            <a:pPr indent="-304800" lvl="0" marL="457200" rtl="0" algn="just">
+              <a:spcBef>
+                <a:spcPts val="1000"/>
+              </a:spcBef>
+              <a:spcAft>
+                <a:spcPts val="0"/>
+              </a:spcAft>
+              <a:buClr>
+                <a:srgbClr val="000000"/>
+              </a:buClr>
+              <a:buSzPts val="1200"/>
+              <a:buChar char="●"/>
+            </a:pPr>
+            <a:r>
+              <a:rPr lang="es-ES">
+                <a:solidFill>
+                  <a:srgbClr val="000000"/>
+                </a:solidFill>
+              </a:rPr>
+              <a:t>TF-IDF </a:t>
+            </a:r>
+            <a:r>
+              <a:rPr i="1" lang="es-ES">
+                <a:solidFill>
+                  <a:srgbClr val="000000"/>
+                </a:solidFill>
+              </a:rPr>
+              <a:t>(Term frequency – Inverse document frequency)</a:t>
+            </a:r>
+            <a:r>
+              <a:rPr lang="es-ES">
+                <a:solidFill>
+                  <a:srgbClr val="000000"/>
+                </a:solidFill>
+              </a:rPr>
+              <a:t> es una buena medida para encontrar palabras relevantes/representativas de cada documento</a:t>
+            </a:r>
+            <a:endParaRPr>
+              <a:solidFill>
+                <a:srgbClr val="000000"/>
+              </a:solidFill>
+            </a:endParaRPr>
+          </a:p>
+          <a:p>
+            <a:pPr indent="-304800" lvl="0" marL="457200" rtl="0" algn="just">
+              <a:spcBef>
+                <a:spcPts val="1000"/>
+              </a:spcBef>
+              <a:spcAft>
+                <a:spcPts val="0"/>
+              </a:spcAft>
+              <a:buClr>
+                <a:srgbClr val="000000"/>
+              </a:buClr>
+              <a:buSzPts val="1200"/>
+              <a:buChar char="●"/>
+            </a:pPr>
+            <a:r>
+              <a:rPr lang="es-ES">
+                <a:solidFill>
+                  <a:srgbClr val="000000"/>
+                </a:solidFill>
+              </a:rPr>
+              <a:t>No es un problema para ser tratado con aprendizaje supervisado.</a:t>
+            </a:r>
+            <a:endParaRPr>
+              <a:solidFill>
+                <a:srgbClr val="000000"/>
+              </a:solidFill>
+            </a:endParaRPr>
+          </a:p>
+          <a:p>
+            <a:pPr indent="-304800" lvl="0" marL="457200" rtl="0" algn="just">
+              <a:spcBef>
+                <a:spcPts val="1000"/>
+              </a:spcBef>
+              <a:spcAft>
+                <a:spcPts val="0"/>
+              </a:spcAft>
+              <a:buClr>
+                <a:srgbClr val="000000"/>
+              </a:buClr>
+              <a:buSzPts val="1200"/>
+              <a:buChar char="●"/>
+            </a:pPr>
+            <a:r>
+              <a:rPr lang="es-ES">
+                <a:solidFill>
+                  <a:srgbClr val="000000"/>
+                </a:solidFill>
+              </a:rPr>
+              <a:t>Aprendizaje no supervisado, todavía no hemos dado con la configuración apropiada para encontrar similitud entre documentos.</a:t>
+            </a:r>
+            <a:endParaRPr>
+              <a:solidFill>
+                <a:srgbClr val="000000"/>
+              </a:solidFill>
+            </a:endParaRPr>
+          </a:p>
+          <a:p>
+            <a:pPr indent="0" lvl="0" marL="0" rtl="0" algn="l">
+              <a:spcBef>
+                <a:spcPts val="1000"/>
+              </a:spcBef>
+              <a:spcAft>
+                <a:spcPts val="0"/>
+              </a:spcAft>
+              <a:buNone/>
+            </a:pPr>
+            <a:r>
+              <a:t/>
+            </a:r>
+            <a:endParaRPr>
+              <a:solidFill>
+                <a:srgbClr val="000000"/>
+              </a:solidFill>
+            </a:endParaRPr>
+          </a:p>
+          <a:p>
+            <a:pPr indent="0" lvl="0" marL="0" rtl="0" algn="l">
+              <a:spcBef>
+                <a:spcPts val="0"/>
+              </a:spcBef>
+              <a:spcAft>
+                <a:spcPts val="0"/>
+              </a:spcAft>
+              <a:buNone/>
+            </a:pPr>
+            <a:r>
               <a:t/>
             </a:r>
             <a:endParaRPr/>
@@ -3396,7 +3643,93 @@
             </a:pPr>
             <a:r>
               <a:rPr lang="es-ES"/>
-              <a:t>David</a:t>
+              <a:t>David Veisaga</a:t>
+            </a:r>
+            <a:endParaRPr/>
+          </a:p>
+          <a:p>
+            <a:pPr indent="0" lvl="0" marL="0" rtl="0" algn="l">
+              <a:spcBef>
+                <a:spcPts val="0"/>
+              </a:spcBef>
+              <a:spcAft>
+                <a:spcPts val="0"/>
+              </a:spcAft>
+              <a:buNone/>
+            </a:pPr>
+            <a:r>
+              <a:t/>
+            </a:r>
+            <a:endParaRPr/>
+          </a:p>
+          <a:p>
+            <a:pPr indent="0" lvl="0" marL="0" rtl="0" algn="l">
+              <a:spcBef>
+                <a:spcPts val="0"/>
+              </a:spcBef>
+              <a:spcAft>
+                <a:spcPts val="0"/>
+              </a:spcAft>
+              <a:buNone/>
+            </a:pPr>
+            <a:r>
+              <a:rPr lang="es-ES"/>
+              <a:t>La presente mentoría, se ubica dentro del área de </a:t>
+            </a:r>
+            <a:r>
+              <a:rPr b="1" lang="es-ES"/>
+              <a:t>Procesamiento de Lenguaje Natural (NLP)</a:t>
+            </a:r>
+            <a:r>
+              <a:rPr lang="es-ES"/>
+              <a:t>. En particular, en el área de aplicación de Algoritmos de Aprendizaje Automático (ML) a textos legales de Argentina, aunque también es adaptable a cualquier conjunto de textos.</a:t>
+            </a:r>
+            <a:endParaRPr/>
+          </a:p>
+          <a:p>
+            <a:pPr indent="0" lvl="0" marL="0" rtl="0" algn="l">
+              <a:spcBef>
+                <a:spcPts val="0"/>
+              </a:spcBef>
+              <a:spcAft>
+                <a:spcPts val="0"/>
+              </a:spcAft>
+              <a:buNone/>
+            </a:pPr>
+            <a:r>
+              <a:t/>
+            </a:r>
+            <a:endParaRPr/>
+          </a:p>
+          <a:p>
+            <a:pPr indent="0" lvl="0" marL="0" rtl="0" algn="l">
+              <a:spcBef>
+                <a:spcPts val="0"/>
+              </a:spcBef>
+              <a:spcAft>
+                <a:spcPts val="0"/>
+              </a:spcAft>
+              <a:buNone/>
+            </a:pPr>
+            <a:r>
+              <a:rPr b="1" lang="es-ES"/>
+              <a:t>Corpus</a:t>
+            </a:r>
+            <a:endParaRPr b="1"/>
+          </a:p>
+          <a:p>
+            <a:pPr indent="0" lvl="0" marL="0" rtl="0" algn="l">
+              <a:spcBef>
+                <a:spcPts val="0"/>
+              </a:spcBef>
+              <a:spcAft>
+                <a:spcPts val="0"/>
+              </a:spcAft>
+              <a:buNone/>
+            </a:pPr>
+            <a:r>
+              <a:rPr lang="es-ES"/>
+              <a:t>En Procesamiento de Lenguaje Natural un Corpus es un conjunto de textos guardados y procesados por computadoras. Los textos contenidos en el Corpus conforman los datos de entrenamiento que se utilizarán para el aprendizaje de los algoritmos de clasificación.</a:t>
             </a:r>
             <a:endParaRPr/>
           </a:p>
@@ -3554,7 +3887,467 @@
             </a:pPr>
             <a:r>
               <a:rPr lang="es-ES"/>
-              <a:t>David</a:t>
+              <a:t>David Veisaga</a:t>
+            </a:r>
+            <a:endParaRPr/>
+          </a:p>
+          <a:p>
+            <a:pPr indent="0" lvl="0" marL="0" rtl="0" algn="l">
+              <a:spcBef>
+                <a:spcPts val="0"/>
+              </a:spcBef>
+              <a:spcAft>
+                <a:spcPts val="0"/>
+              </a:spcAft>
+              <a:buNone/>
+            </a:pPr>
+            <a:r>
+              <a:t/>
+            </a:r>
+            <a:endParaRPr/>
+          </a:p>
+          <a:p>
+            <a:pPr indent="0" lvl="0" marL="0" rtl="0" algn="l">
+              <a:spcBef>
+                <a:spcPts val="0"/>
+              </a:spcBef>
+              <a:spcAft>
+                <a:spcPts val="0"/>
+              </a:spcAft>
+              <a:buNone/>
+            </a:pPr>
+            <a:r>
+              <a:rPr b="1" lang="es-ES"/>
+              <a:t>E</a:t>
+            </a:r>
+            <a:r>
+              <a:rPr b="1" lang="es-ES"/>
+              <a:t>xtracción de características (Features)</a:t>
+            </a:r>
+            <a:endParaRPr b="1"/>
+          </a:p>
+          <a:p>
+            <a:pPr indent="0" lvl="0" marL="0" rtl="0" algn="l">
+              <a:spcBef>
+                <a:spcPts val="0"/>
+              </a:spcBef>
+              <a:spcAft>
+                <a:spcPts val="0"/>
+              </a:spcAft>
+              <a:buNone/>
+            </a:pPr>
+            <a:r>
+              <a:t/>
+            </a:r>
+            <a:endParaRPr/>
+          </a:p>
+          <a:p>
+            <a:pPr indent="0" lvl="0" marL="0" rtl="0" algn="l">
+              <a:spcBef>
+                <a:spcPts val="0"/>
+              </a:spcBef>
+              <a:spcAft>
+                <a:spcPts val="0"/>
+              </a:spcAft>
+              <a:buNone/>
+            </a:pPr>
+            <a:r>
+              <a:rPr lang="es-ES"/>
+              <a:t>El mapeo de datos textuales a vectores con valores reales se llama extracción de características.</a:t>
+            </a:r>
+            <a:endParaRPr/>
+          </a:p>
+          <a:p>
+            <a:pPr indent="0" lvl="0" marL="0" rtl="0" algn="l">
+              <a:spcBef>
+                <a:spcPts val="0"/>
+              </a:spcBef>
+              <a:spcAft>
+                <a:spcPts val="0"/>
+              </a:spcAft>
+              <a:buNone/>
+            </a:pPr>
+            <a:r>
+              <a:t/>
+            </a:r>
+            <a:endParaRPr/>
+          </a:p>
+          <a:p>
+            <a:pPr indent="0" lvl="0" marL="0" rtl="0" algn="l">
+              <a:spcBef>
+                <a:spcPts val="0"/>
+              </a:spcBef>
+              <a:spcAft>
+                <a:spcPts val="0"/>
+              </a:spcAft>
+              <a:buNone/>
+            </a:pPr>
+            <a:r>
+              <a:rPr lang="es-ES"/>
+              <a:t>Se trata de un proceso de reducción y codificación, donde un conjunto inicial de variables sin procesar (ej. texto en un documento) se reduce a características más manejables para su procesamiento (ej. números) y que se describa con precisión el conjunto de datos original.</a:t>
+            </a:r>
+            <a:endParaRPr/>
+          </a:p>
+          <a:p>
+            <a:pPr indent="0" lvl="0" marL="0" rtl="0" algn="l">
+              <a:spcBef>
+                <a:spcPts val="0"/>
+              </a:spcBef>
+              <a:spcAft>
+                <a:spcPts val="0"/>
+              </a:spcAft>
+              <a:buNone/>
+            </a:pPr>
+            <a:r>
+              <a:t/>
+            </a:r>
+            <a:endParaRPr/>
+          </a:p>
+          <a:p>
+            <a:pPr indent="0" lvl="0" marL="0" rtl="0" algn="l">
+              <a:spcBef>
+                <a:spcPts val="0"/>
+              </a:spcBef>
+              <a:spcAft>
+                <a:spcPts val="0"/>
+              </a:spcAft>
+              <a:buNone/>
+            </a:pPr>
+            <a:r>
+              <a:rPr lang="es-ES"/>
+              <a:t>Hay distintas técnicas. Las que usamos en el trabajo, fueron las siguientes: Bolsa de palabras (BOW), N-gramas y TF-IDF</a:t>
+            </a:r>
+            <a:endParaRPr/>
+          </a:p>
+          <a:p>
+            <a:pPr indent="0" lvl="0" marL="0" rtl="0" algn="l">
+              <a:spcBef>
+                <a:spcPts val="0"/>
+              </a:spcBef>
+              <a:spcAft>
+                <a:spcPts val="0"/>
+              </a:spcAft>
+              <a:buNone/>
+            </a:pPr>
+            <a:r>
+              <a:t/>
+            </a:r>
+            <a:endParaRPr/>
+          </a:p>
+          <a:p>
+            <a:pPr indent="0" lvl="0" marL="0" rtl="0" algn="l">
+              <a:spcBef>
+                <a:spcPts val="0"/>
+              </a:spcBef>
+              <a:spcAft>
+                <a:spcPts val="0"/>
+              </a:spcAft>
+              <a:buNone/>
+            </a:pPr>
+            <a:r>
+              <a:rPr b="1" lang="es-ES"/>
+              <a:t>Bolsa de Palabras (BOW)</a:t>
+            </a:r>
+            <a:endParaRPr b="1"/>
+          </a:p>
+          <a:p>
+            <a:pPr indent="0" lvl="0" marL="0" rtl="0" algn="l">
+              <a:spcBef>
+                <a:spcPts val="0"/>
+              </a:spcBef>
+              <a:spcAft>
+                <a:spcPts val="0"/>
+              </a:spcAft>
+              <a:buNone/>
+            </a:pPr>
+            <a:r>
+              <a:rPr lang="es-ES"/>
+              <a:t>Una de las técnicas más simples para representar texto numéricamente.</a:t>
+            </a:r>
+            <a:endParaRPr/>
+          </a:p>
+          <a:p>
+            <a:pPr indent="0" lvl="0" marL="0" rtl="0" algn="l">
+              <a:spcBef>
+                <a:spcPts val="0"/>
+              </a:spcBef>
+              <a:spcAft>
+                <a:spcPts val="0"/>
+              </a:spcAft>
+              <a:buNone/>
+            </a:pPr>
+            <a:r>
+              <a:rPr lang="es-ES"/>
+              <a:t>Hacemos la lista de palabras únicas con el Corpus de textos. </a:t>
+            </a:r>
+            <a:endParaRPr/>
+          </a:p>
+          <a:p>
+            <a:pPr indent="0" lvl="0" marL="0" rtl="0" algn="l">
+              <a:spcBef>
+                <a:spcPts val="0"/>
+              </a:spcBef>
+              <a:spcAft>
+                <a:spcPts val="0"/>
+              </a:spcAft>
+              <a:buNone/>
+            </a:pPr>
+            <a:r>
+              <a:rPr lang="es-ES"/>
+              <a:t>Entonces podemos representar cada documento como un vector donde cada palabra del vocabulario que aparece en el documento se representa con un 1 y las palabras del vocabulario que no están presentes en el documento se representan con un 0.</a:t>
+            </a:r>
+            <a:endParaRPr/>
+          </a:p>
+          <a:p>
+            <a:pPr indent="0" lvl="0" marL="0" rtl="0" algn="l">
+              <a:spcBef>
+                <a:spcPts val="0"/>
+              </a:spcBef>
+              <a:spcAft>
+                <a:spcPts val="0"/>
+              </a:spcAft>
+              <a:buNone/>
+            </a:pPr>
+            <a:r>
+              <a:t/>
+            </a:r>
+            <a:endParaRPr/>
+          </a:p>
+          <a:p>
+            <a:pPr indent="0" lvl="0" marL="0" rtl="0" algn="l">
+              <a:spcBef>
+                <a:spcPts val="0"/>
+              </a:spcBef>
+              <a:spcAft>
+                <a:spcPts val="0"/>
+              </a:spcAft>
+              <a:buNone/>
+            </a:pPr>
+            <a:r>
+              <a:rPr lang="es-ES"/>
+              <a:t>Con este mecanismo, construiremos una matriz, constituida por vectores de unos y ceros que representa a cada documento y se denominan vectores escasos o ralos . </a:t>
+            </a:r>
+            <a:endParaRPr/>
+          </a:p>
+          <a:p>
+            <a:pPr indent="0" lvl="0" marL="0" rtl="0" algn="l">
+              <a:spcBef>
+                <a:spcPts val="0"/>
+              </a:spcBef>
+              <a:spcAft>
+                <a:spcPts val="0"/>
+              </a:spcAft>
+              <a:buNone/>
+            </a:pPr>
+            <a:r>
+              <a:t/>
+            </a:r>
+            <a:endParaRPr/>
+          </a:p>
+          <a:p>
+            <a:pPr indent="0" lvl="0" marL="0" rtl="0" algn="l">
+              <a:spcBef>
+                <a:spcPts val="0"/>
+              </a:spcBef>
+              <a:spcAft>
+                <a:spcPts val="0"/>
+              </a:spcAft>
+              <a:buNone/>
+            </a:pPr>
+            <a:r>
+              <a:rPr lang="es-ES"/>
+              <a:t>Algo que ocurre con esta técnica es que ya no importa el orden de las palabras, cada documentado es tan solo una secuencia de 0 y 1, por eso se denomina bolsa de palabras.</a:t>
+            </a:r>
+            <a:endParaRPr/>
+          </a:p>
+          <a:p>
+            <a:pPr indent="0" lvl="0" marL="0" rtl="0" algn="l">
+              <a:spcBef>
+                <a:spcPts val="0"/>
+              </a:spcBef>
+              <a:spcAft>
+                <a:spcPts val="0"/>
+              </a:spcAft>
+              <a:buNone/>
+            </a:pPr>
+            <a:r>
+              <a:t/>
+            </a:r>
+            <a:endParaRPr/>
+          </a:p>
+          <a:p>
+            <a:pPr indent="0" lvl="0" marL="0" rtl="0" algn="l">
+              <a:spcBef>
+                <a:spcPts val="0"/>
+              </a:spcBef>
+              <a:spcAft>
+                <a:spcPts val="0"/>
+              </a:spcAft>
+              <a:buNone/>
+            </a:pPr>
+            <a:r>
+              <a:t/>
+            </a:r>
+            <a:endParaRPr/>
+          </a:p>
+          <a:p>
+            <a:pPr indent="0" lvl="0" marL="0" rtl="0" algn="l">
+              <a:spcBef>
+                <a:spcPts val="0"/>
+              </a:spcBef>
+              <a:spcAft>
+                <a:spcPts val="0"/>
+              </a:spcAft>
+              <a:buNone/>
+            </a:pPr>
+            <a:r>
+              <a:rPr b="1" lang="es-ES"/>
+              <a:t>N-gramas</a:t>
+            </a:r>
+            <a:endParaRPr b="1"/>
+          </a:p>
+          <a:p>
+            <a:pPr indent="0" lvl="0" marL="0" rtl="0" algn="l">
+              <a:spcBef>
+                <a:spcPts val="0"/>
+              </a:spcBef>
+              <a:spcAft>
+                <a:spcPts val="0"/>
+              </a:spcAft>
+              <a:buNone/>
+            </a:pPr>
+            <a:r>
+              <a:rPr lang="es-ES"/>
+              <a:t>Se usa para resolver el problema de alteración de orden de las palabras que ocurre con BOW.</a:t>
+            </a:r>
+            <a:endParaRPr/>
+          </a:p>
+          <a:p>
+            <a:pPr indent="0" lvl="0" marL="0" rtl="0" algn="l">
+              <a:spcBef>
+                <a:spcPts val="0"/>
+              </a:spcBef>
+              <a:spcAft>
+                <a:spcPts val="0"/>
+              </a:spcAft>
+              <a:buNone/>
+            </a:pPr>
+            <a:r>
+              <a:rPr lang="es-ES"/>
+              <a:t>Nos permite saber qué tan probable es una sentencia conformada por n palabras </a:t>
+            </a:r>
+            <a:endParaRPr/>
+          </a:p>
+          <a:p>
+            <a:pPr indent="0" lvl="0" marL="0" rtl="0" algn="l">
+              <a:spcBef>
+                <a:spcPts val="0"/>
+              </a:spcBef>
+              <a:spcAft>
+                <a:spcPts val="0"/>
+              </a:spcAft>
+              <a:buNone/>
+            </a:pPr>
+            <a:r>
+              <a:rPr lang="es-ES"/>
+              <a:t>Los n-gramas pueden estar conformados por una palabra (unigramas), dos palabras (bigramas), tres palabras (trigramas) o cualquier número n de palabras (n-gramas)</a:t>
+            </a:r>
+            <a:endParaRPr/>
+          </a:p>
+          <a:p>
+            <a:pPr indent="0" lvl="0" marL="0" rtl="0" algn="l">
+              <a:spcBef>
+                <a:spcPts val="0"/>
+              </a:spcBef>
+              <a:spcAft>
+                <a:spcPts val="0"/>
+              </a:spcAft>
+              <a:buNone/>
+            </a:pPr>
+            <a:r>
+              <a:t/>
+            </a:r>
+            <a:endParaRPr/>
+          </a:p>
+          <a:p>
+            <a:pPr indent="0" lvl="0" marL="0" rtl="0" algn="l">
+              <a:spcBef>
+                <a:spcPts val="0"/>
+              </a:spcBef>
+              <a:spcAft>
+                <a:spcPts val="0"/>
+              </a:spcAft>
+              <a:buNone/>
+            </a:pPr>
+            <a:r>
+              <a:rPr lang="es-ES"/>
+              <a:t>Ejemplo:  El bigrama “Republica Bolivariana”, que fue uno de los bigramas que utilizamos en el trabajo, nos aporta una información mucho más completa que “República” y “Bolivariana” por separado.</a:t>
+            </a:r>
+            <a:endParaRPr/>
+          </a:p>
+          <a:p>
+            <a:pPr indent="0" lvl="0" marL="0" rtl="0" algn="l">
+              <a:spcBef>
+                <a:spcPts val="0"/>
+              </a:spcBef>
+              <a:spcAft>
+                <a:spcPts val="0"/>
+              </a:spcAft>
+              <a:buNone/>
+            </a:pPr>
+            <a:r>
+              <a:t/>
+            </a:r>
+            <a:endParaRPr/>
+          </a:p>
+          <a:p>
+            <a:pPr indent="0" lvl="0" marL="0" rtl="0" algn="l">
+              <a:spcBef>
+                <a:spcPts val="0"/>
+              </a:spcBef>
+              <a:spcAft>
+                <a:spcPts val="0"/>
+              </a:spcAft>
+              <a:buNone/>
+            </a:pPr>
+            <a:r>
+              <a:rPr b="1" lang="es-ES"/>
+              <a:t>Term frequency – Inverse document frequency </a:t>
+            </a:r>
+            <a:r>
+              <a:rPr lang="es-ES"/>
+              <a:t>(TF IDF).</a:t>
+            </a:r>
+            <a:endParaRPr/>
+          </a:p>
+          <a:p>
+            <a:pPr indent="0" lvl="0" marL="0" rtl="0" algn="l">
+              <a:spcBef>
+                <a:spcPts val="0"/>
+              </a:spcBef>
+              <a:spcAft>
+                <a:spcPts val="0"/>
+              </a:spcAft>
+              <a:buNone/>
+            </a:pPr>
+            <a:r>
+              <a:rPr lang="es-ES"/>
+              <a:t>Se explica en detalle más adelante.</a:t>
+            </a:r>
+            <a:endParaRPr/>
+          </a:p>
+          <a:p>
+            <a:pPr indent="0" lvl="0" marL="0" rtl="0" algn="l">
+              <a:spcBef>
+                <a:spcPts val="0"/>
+              </a:spcBef>
+              <a:spcAft>
+                <a:spcPts val="0"/>
+              </a:spcAft>
+              <a:buNone/>
+            </a:pPr>
+            <a:r>
+              <a:t/>
             </a:r>
             <a:endParaRPr/>
           </a:p>
@@ -5452,7 +6245,7 @@
             </a:pPr>
             <a:r>
               <a:rPr lang="es-ES" sz="1000"/>
-              <a:t>Clara </a:t>
+              <a:t>Clara Quintana</a:t>
             </a:r>
             <a:endParaRPr sz="1000"/>
           </a:p>
@@ -5467,17 +6260,7 @@
               <a:buNone/>
             </a:pPr>
             <a:r>
-              <a:rPr lang="es-ES" sz="1000"/>
-              <a:t>Ver si contamos tambien lo de información mutua </a:t>
-            </a:r>
-            <a:r>
-              <a:rPr lang="es-ES" sz="1000" u="sng">
-                <a:solidFill>
-                  <a:schemeClr val="hlink"/>
-                </a:solidFill>
-                <a:hlinkClick r:id="rId2"/>
-              </a:rPr>
-              <a:t>https://meet.google.com/linkredirect?authuser=0&amp;dest=https%3A%2F%2Fkavita-ganesan.com%2Fwhat-is-inverse-document-frequency%2F%23.X2x_EWj0k2w</a:t>
+              <a:t/>
             </a:r>
             <a:endParaRPr sz="1000"/>
           </a:p>
@@ -5492,119 +6275,27 @@
               <a:buNone/>
             </a:pPr>
             <a:r>
+              <a:rPr b="1" lang="es-ES" sz="1600"/>
+              <a:t>Palabras relevantes</a:t>
+            </a:r>
+            <a:endParaRPr b="1" sz="1600"/>
+          </a:p>
+          <a:p>
+            <a:pPr indent="0" lvl="0" marL="0" rtl="0" algn="l">
+              <a:spcBef>
+                <a:spcPts val="0"/>
+              </a:spcBef>
+              <a:spcAft>
+                <a:spcPts val="0"/>
+              </a:spcAft>
+              <a:buNone/>
+            </a:pPr>
+            <a:r>
               <a:t/>
             </a:r>
             <a:endParaRPr sz="1000"/>
           </a:p>
           <a:p>
-            <a:pPr indent="-254000" lvl="0" marL="342900" rtl="0" algn="l">
-              <a:spcBef>
-                <a:spcPts val="0"/>
-              </a:spcBef>
-              <a:spcAft>
-                <a:spcPts val="0"/>
-              </a:spcAft>
-              <a:buClr>
-                <a:srgbClr val="3F3F3F"/>
-              </a:buClr>
-              <a:buSzPts val="1000"/>
-              <a:buChar char="•"/>
-            </a:pPr>
-            <a:r>
-              <a:rPr lang="es-ES" sz="1000">
-                <a:solidFill>
-                  <a:srgbClr val="3F3F3F"/>
-                </a:solidFill>
-                <a:latin typeface="Lustria"/>
-                <a:ea typeface="Lustria"/>
-                <a:cs typeface="Lustria"/>
-                <a:sym typeface="Lustria"/>
-              </a:rPr>
-              <a:t>Intentando encontrar alguna medida de que se trata un texto usamos esas medidas que uso jorge (viendo frecuencia de palabras dentro del texto respecto a la frecuencia en los otros textos)</a:t>
-            </a:r>
-            <a:endParaRPr sz="1000">
-              <a:solidFill>
-                <a:srgbClr val="3F3F3F"/>
-              </a:solidFill>
-              <a:latin typeface="Lustria"/>
-              <a:ea typeface="Lustria"/>
-              <a:cs typeface="Lustria"/>
-              <a:sym typeface="Lustria"/>
-            </a:endParaRPr>
-          </a:p>
-          <a:p>
-            <a:pPr indent="-254000" lvl="0" marL="342900" rtl="0" algn="l">
-              <a:spcBef>
-                <a:spcPts val="2000"/>
-              </a:spcBef>
-              <a:spcAft>
-                <a:spcPts val="0"/>
-              </a:spcAft>
-              <a:buClr>
-                <a:srgbClr val="3F3F3F"/>
-              </a:buClr>
-              <a:buSzPts val="1000"/>
-              <a:buChar char="•"/>
-            </a:pPr>
-            <a:r>
-              <a:rPr lang="es-ES" sz="1000">
-                <a:solidFill>
-                  <a:srgbClr val="3F3F3F"/>
-                </a:solidFill>
-                <a:latin typeface="Lustria"/>
-                <a:ea typeface="Lustria"/>
-                <a:cs typeface="Lustria"/>
-                <a:sym typeface="Lustria"/>
-              </a:rPr>
-              <a:t>Contar que se usa para eliminar stop words</a:t>
-            </a:r>
-            <a:endParaRPr sz="1000">
-              <a:solidFill>
-                <a:srgbClr val="3F3F3F"/>
-              </a:solidFill>
-              <a:latin typeface="Lustria"/>
-              <a:ea typeface="Lustria"/>
-              <a:cs typeface="Lustria"/>
-              <a:sym typeface="Lustria"/>
-            </a:endParaRPr>
-          </a:p>
-          <a:p>
-            <a:pPr indent="-254000" lvl="0" marL="342900" rtl="0" algn="l">
-              <a:spcBef>
-                <a:spcPts val="2000"/>
-              </a:spcBef>
-              <a:spcAft>
-                <a:spcPts val="0"/>
-              </a:spcAft>
-              <a:buClr>
-                <a:srgbClr val="3F3F3F"/>
-              </a:buClr>
-              <a:buSzPts val="1000"/>
-              <a:buChar char="•"/>
-            </a:pPr>
-            <a:r>
-              <a:rPr lang="es-ES" sz="1000">
-                <a:solidFill>
-                  <a:srgbClr val="3F3F3F"/>
-                </a:solidFill>
-                <a:latin typeface="Lustria"/>
-                <a:ea typeface="Lustria"/>
-                <a:cs typeface="Lustria"/>
-                <a:sym typeface="Lustria"/>
-              </a:rPr>
-              <a:t>Contar que intentamos hacer supervisado (se puede contar también lo que hicimos con los ministerios)</a:t>
-            </a:r>
-            <a:endParaRPr sz="1000">
-              <a:solidFill>
-                <a:srgbClr val="3F3F3F"/>
-              </a:solidFill>
-              <a:latin typeface="Lustria"/>
-              <a:ea typeface="Lustria"/>
-              <a:cs typeface="Lustria"/>
-              <a:sym typeface="Lustria"/>
-            </a:endParaRPr>
-          </a:p>
-          <a:p>
             <a:pPr indent="0" lvl="0" marL="0" rtl="0" algn="l">
               <a:spcBef>
                 <a:spcPts val="0"/>
@@ -5615,6 +6306,22 @@
               <a:buNone/>
             </a:pPr>
             <a:r>
+              <a:rPr lang="es-ES"/>
+              <a:t>Para saber si dos textos son similares primero es necesario saber de qué trata cada texto, con ese objetivo buscamos una técnica para encontrar palabras relevantes en cada documento.</a:t>
+            </a:r>
+            <a:endParaRPr/>
+          </a:p>
+          <a:p>
+            <a:pPr indent="0" lvl="0" marL="0" rtl="0" algn="l">
+              <a:spcBef>
+                <a:spcPts val="0"/>
+              </a:spcBef>
+              <a:spcAft>
+                <a:spcPts val="0"/>
+              </a:spcAft>
+              <a:buNone/>
+            </a:pPr>
+            <a:r>
               <a:t/>
             </a:r>
             <a:endParaRPr sz="1000"/>
@@ -5627,6 +6334,7 @@
               <a:spcAft>
                 <a:spcPts val="0"/>
               </a:spcAft>
+              <a:buSzPts val="1100"/>
               <a:buNone/>
             </a:pPr>
             <a:r>
@@ -5650,13 +6358,87 @@
               <a:buNone/>
             </a:pPr>
             <a:r>
-              <a:rPr lang="es-ES" sz="1000">
-                <a:latin typeface="Lustria"/>
-                <a:ea typeface="Lustria"/>
-                <a:cs typeface="Lustria"/>
-                <a:sym typeface="Lustria"/>
-              </a:rPr>
-              <a:t>Calculamos TF-IDF (Term Frecuency-Inverse Document Frecuency) para obtener las palabras más relevante de cada documento.</a:t>
+              <a:t/>
+            </a:r>
+            <a:endParaRPr sz="1000"/>
+          </a:p>
+          <a:p>
+            <a:pPr indent="0" lvl="0" marL="0" rtl="0" algn="l">
+              <a:spcBef>
+                <a:spcPts val="0"/>
+              </a:spcBef>
+              <a:spcAft>
+                <a:spcPts val="0"/>
+              </a:spcAft>
+              <a:buNone/>
+            </a:pPr>
+            <a:r>
+              <a:t/>
+            </a:r>
+            <a:endParaRPr sz="1000"/>
+          </a:p>
+          <a:p>
+            <a:pPr indent="0" lvl="0" marL="0" rtl="0" algn="l">
+              <a:spcBef>
+                <a:spcPts val="0"/>
+              </a:spcBef>
+              <a:spcAft>
+                <a:spcPts val="0"/>
+              </a:spcAft>
+              <a:buNone/>
+            </a:pPr>
+            <a:r>
+              <a:t/>
+            </a:r>
+            <a:endParaRPr sz="1000"/>
+          </a:p>
+          <a:p>
+            <a:pPr indent="0" lvl="0" marL="0" rtl="0" algn="l">
+              <a:spcBef>
+                <a:spcPts val="0"/>
+              </a:spcBef>
+              <a:spcAft>
+                <a:spcPts val="0"/>
+              </a:spcAft>
+              <a:buNone/>
+            </a:pPr>
+            <a:r>
+              <a:t/>
+            </a:r>
+            <a:endParaRPr sz="1000"/>
+          </a:p>
+          <a:p>
+            <a:pPr indent="0" lvl="0" marL="0" rtl="0" algn="l">
+              <a:spcBef>
+                <a:spcPts val="0"/>
+              </a:spcBef>
+              <a:spcAft>
+                <a:spcPts val="0"/>
+              </a:spcAft>
+              <a:buNone/>
+            </a:pPr>
+            <a:r>
+              <a:t/>
+            </a:r>
+            <a:endParaRPr sz="1000"/>
+          </a:p>
+          <a:p>
+            <a:pPr indent="0" lvl="0" marL="0" rtl="0" algn="l">
+              <a:spcBef>
+                <a:spcPts val="0"/>
+              </a:spcBef>
+              <a:spcAft>
+                <a:spcPts val="0"/>
+              </a:spcAft>
+              <a:buClr>
+                <a:schemeClr val="dk1"/>
+              </a:buClr>
+              <a:buSzPts val="1100"/>
+              <a:buFont typeface="Arial"/>
+              <a:buNone/>
+            </a:pPr>
+            <a:r>
+              <a:t/>
             </a:r>
             <a:endParaRPr sz="1000"/>
           </a:p>
@@ -5796,19 +6578,16 @@
               <a:spcAft>
                 <a:spcPts val="0"/>
               </a:spcAft>
+              <a:buClr>
+                <a:schemeClr val="dk1"/>
+              </a:buClr>
+              <a:buSzPts val="1100"/>
+              <a:buFont typeface="Arial"/>
               <a:buNone/>
             </a:pPr>
             <a:r>
               <a:rPr lang="es-ES"/>
-              <a:t>Primero miramos la </a:t>
-            </a:r>
-            <a:r>
-              <a:rPr b="1" lang="es-ES" sz="1400"/>
-              <a:t>frecuencia de las palabras</a:t>
-            </a:r>
-            <a:r>
-              <a:rPr lang="es-ES"/>
-              <a:t>:</a:t>
+              <a:t>Primero miramos la frecuencia de las palabras y observamos que las más frecuentes no necesariamente eran representativas del contenido del documento, en general era palabras propias del lenguaje jurídico, los cual nos llevó a replantear el filtrado por stop words.  </a:t>
             </a:r>
             <a:endParaRPr/>
           </a:p>
@@ -5823,58 +6602,9 @@
               <a:buNone/>
             </a:pPr>
             <a:r>
-              <a:rPr lang="es-ES"/>
-              <a:t>Esto es para un documento, que habla sobre un</a:t>
-            </a:r>
-            <a:r>
-              <a:rPr b="1" lang="es-ES" sz="1400"/>
-              <a:t> acuerdo de cooperación minera con venezuela</a:t>
-            </a:r>
-            <a:endParaRPr b="1" sz="1400"/>
-          </a:p>
-          <a:p>
-            <a:pPr indent="0" lvl="0" marL="0" rtl="0" algn="l">
-              <a:spcBef>
-                <a:spcPts val="0"/>
-              </a:spcBef>
-              <a:spcAft>
-                <a:spcPts val="0"/>
-              </a:spcAft>
-              <a:buNone/>
-            </a:pPr>
-            <a:r>
-              <a:rPr lang="es-ES"/>
-              <a:t>pero vemos que las palabras de mayor frecuencia </a:t>
-            </a:r>
-            <a:r>
-              <a:rPr b="1" lang="es-ES" sz="1400"/>
-              <a:t>no son necesariamente representativas</a:t>
-            </a:r>
-            <a:r>
-              <a:rPr lang="es-ES"/>
-              <a:t> de la temáticas (parte, artículo, no nos dicen nada)</a:t>
+              <a:t/>
             </a:r>
             <a:endParaRPr/>
-          </a:p>
-          <a:p>
-            <a:pPr indent="0" lvl="0" marL="0" rtl="0" algn="l">
-              <a:spcBef>
-                <a:spcPts val="0"/>
-              </a:spcBef>
-              <a:spcAft>
-                <a:spcPts val="0"/>
-              </a:spcAft>
-              <a:buNone/>
-            </a:pPr>
-            <a:r>
-              <a:rPr lang="es-ES"/>
-              <a:t>A partir de esto surgen la necesidad de revisar las </a:t>
-            </a:r>
-            <a:r>
-              <a:rPr b="1" lang="es-ES" sz="1400"/>
-              <a:t>stop word</a:t>
-            </a:r>
-            <a:endParaRPr b="1" sz="1400"/>
           </a:p>
           <a:p>
             <a:pPr indent="0" lvl="0" marL="0" rtl="0" algn="l">
@@ -6031,21 +6761,72 @@
             </a:pPr>
             <a:r>
               <a:rPr lang="es-ES"/>
-              <a:t>analizando la frecuencia inversa de los documentos nos dimos cuenta que hay stop word específicas de ese conjunto de docs que </a:t>
-            </a:r>
-            <a:r>
-              <a:rPr b="1" lang="es-ES" sz="1500"/>
-              <a:t>deberíamos</a:t>
-            </a:r>
-            <a:r>
-              <a:rPr b="1" lang="es-ES" sz="1500"/>
-              <a:t> haber sacado en la limpieza de datos</a:t>
-            </a:r>
-            <a:r>
-              <a:rPr lang="es-ES"/>
-              <a:t> (naciona, articulo, oficial, registro, archivese…)</a:t>
+              <a:t>Para ello utilizamos la frecuencia inversa de documentos, que </a:t>
+            </a:r>
+            <a:r>
+              <a:rPr lang="es-ES">
+                <a:solidFill>
+                  <a:srgbClr val="202122"/>
+                </a:solidFill>
+                <a:highlight>
+                  <a:srgbClr val="FFFFFF"/>
+                </a:highlight>
+              </a:rPr>
+              <a:t>refleja si un término es común o no en la colección de documentos, observamos que había una gran cantidad de palabras, propias del lenguaje jurídico, que se </a:t>
+            </a:r>
+            <a:r>
+              <a:rPr lang="es-ES">
+                <a:solidFill>
+                  <a:srgbClr val="202122"/>
+                </a:solidFill>
+                <a:highlight>
+                  <a:srgbClr val="FFFFFF"/>
+                </a:highlight>
+              </a:rPr>
+              <a:t>repetían</a:t>
+            </a:r>
+            <a:r>
+              <a:rPr lang="es-ES">
+                <a:solidFill>
+                  <a:srgbClr val="202122"/>
+                </a:solidFill>
+                <a:highlight>
+                  <a:srgbClr val="FFFFFF"/>
+                </a:highlight>
+              </a:rPr>
+              <a:t> en casi todos los documentos, y las incluimos en el filtrado de stop words.</a:t>
             </a:r>
             <a:endParaRPr/>
+          </a:p>
+          <a:p>
+            <a:pPr indent="0" lvl="0" marL="0" rtl="0" algn="l">
+              <a:spcBef>
+                <a:spcPts val="0"/>
+              </a:spcBef>
+              <a:spcAft>
+                <a:spcPts val="0"/>
+              </a:spcAft>
+              <a:buNone/>
+            </a:pPr>
+            <a:r>
+              <a:t/>
+            </a:r>
+            <a:endParaRPr sz="1000"/>
+          </a:p>
+          <a:p>
+            <a:pPr indent="0" lvl="0" marL="0" rtl="0" algn="l">
+              <a:spcBef>
+                <a:spcPts val="0"/>
+              </a:spcBef>
+              <a:spcAft>
+                <a:spcPts val="0"/>
+              </a:spcAft>
+              <a:buNone/>
+            </a:pPr>
+            <a:r>
+              <a:t/>
+            </a:r>
+            <a:endParaRPr sz="1000"/>
           </a:p>
         </p:txBody>
       </p:sp>
@@ -25262,7 +26043,7 @@
                 <a:cs typeface="Arial"/>
                 <a:sym typeface="Arial"/>
               </a:rPr>
-              <a:t>del Documento</a:t>
+              <a:t>de Documentos</a:t>
             </a:r>
             <a:endParaRPr sz="3600"/>
           </a:p>
